--- a/NETCORE SOLUTION KFT.pptx
+++ b/NETCORE SOLUTION KFT.pptx
@@ -12,15 +12,19 @@
     <p:sldId id="260" r:id="rId6"/>
     <p:sldId id="261" r:id="rId7"/>
     <p:sldId id="271" r:id="rId8"/>
-    <p:sldId id="262" r:id="rId9"/>
-    <p:sldId id="263" r:id="rId10"/>
-    <p:sldId id="264" r:id="rId11"/>
-    <p:sldId id="265" r:id="rId12"/>
-    <p:sldId id="266" r:id="rId13"/>
-    <p:sldId id="267" r:id="rId14"/>
-    <p:sldId id="270" r:id="rId15"/>
-    <p:sldId id="268" r:id="rId16"/>
-    <p:sldId id="269" r:id="rId17"/>
+    <p:sldId id="270" r:id="rId9"/>
+    <p:sldId id="262" r:id="rId10"/>
+    <p:sldId id="263" r:id="rId11"/>
+    <p:sldId id="264" r:id="rId12"/>
+    <p:sldId id="265" r:id="rId13"/>
+    <p:sldId id="266" r:id="rId14"/>
+    <p:sldId id="267" r:id="rId15"/>
+    <p:sldId id="273" r:id="rId16"/>
+    <p:sldId id="274" r:id="rId17"/>
+    <p:sldId id="268" r:id="rId18"/>
+    <p:sldId id="272" r:id="rId19"/>
+    <p:sldId id="269" r:id="rId20"/>
+    <p:sldId id="275" r:id="rId21"/>
   </p:sldIdLst>
   <p:sldSz cx="12192000" cy="6858000"/>
   <p:notesSz cx="6858000" cy="9144000"/>
@@ -266,7 +270,7 @@
           <a:p>
             <a:fld id="{48A87A34-81AB-432B-8DAE-1953F412C126}" type="datetimeFigureOut">
               <a:rPr lang="en-US" dirty="0"/>
-              <a:t>9/26/2025</a:t>
+              <a:t>10/7/2025</a:t>
             </a:fld>
             <a:endParaRPr lang="en-US" dirty="0"/>
           </a:p>
@@ -472,7 +476,7 @@
           <a:p>
             <a:fld id="{48A87A34-81AB-432B-8DAE-1953F412C126}" type="datetimeFigureOut">
               <a:rPr lang="en-US" dirty="0"/>
-              <a:t>9/26/2025</a:t>
+              <a:t>10/7/2025</a:t>
             </a:fld>
             <a:endParaRPr lang="en-US" dirty="0"/>
           </a:p>
@@ -682,7 +686,7 @@
           <a:p>
             <a:fld id="{48A87A34-81AB-432B-8DAE-1953F412C126}" type="datetimeFigureOut">
               <a:rPr lang="en-US" dirty="0"/>
-              <a:t>9/26/2025</a:t>
+              <a:t>10/7/2025</a:t>
             </a:fld>
             <a:endParaRPr lang="en-US" dirty="0"/>
           </a:p>
@@ -878,7 +882,7 @@
           <a:p>
             <a:fld id="{48A87A34-81AB-432B-8DAE-1953F412C126}" type="datetimeFigureOut">
               <a:rPr lang="en-US" dirty="0"/>
-              <a:t>9/26/2025</a:t>
+              <a:t>10/7/2025</a:t>
             </a:fld>
             <a:endParaRPr lang="en-US" dirty="0"/>
           </a:p>
@@ -1152,7 +1156,7 @@
           <a:p>
             <a:fld id="{48A87A34-81AB-432B-8DAE-1953F412C126}" type="datetimeFigureOut">
               <a:rPr lang="en-US" dirty="0"/>
-              <a:t>9/26/2025</a:t>
+              <a:t>10/7/2025</a:t>
             </a:fld>
             <a:endParaRPr lang="en-US" dirty="0"/>
           </a:p>
@@ -1415,7 +1419,7 @@
           <a:p>
             <a:fld id="{48A87A34-81AB-432B-8DAE-1953F412C126}" type="datetimeFigureOut">
               <a:rPr lang="en-US" dirty="0"/>
-              <a:t>9/26/2025</a:t>
+              <a:t>10/7/2025</a:t>
             </a:fld>
             <a:endParaRPr lang="en-US" dirty="0"/>
           </a:p>
@@ -1826,7 +1830,7 @@
           <a:p>
             <a:fld id="{48A87A34-81AB-432B-8DAE-1953F412C126}" type="datetimeFigureOut">
               <a:rPr lang="en-US" dirty="0"/>
-              <a:t>9/26/2025</a:t>
+              <a:t>10/7/2025</a:t>
             </a:fld>
             <a:endParaRPr lang="en-US" dirty="0"/>
           </a:p>
@@ -1970,7 +1974,7 @@
           <a:p>
             <a:fld id="{48A87A34-81AB-432B-8DAE-1953F412C126}" type="datetimeFigureOut">
               <a:rPr lang="en-US" dirty="0"/>
-              <a:t>9/26/2025</a:t>
+              <a:t>10/7/2025</a:t>
             </a:fld>
             <a:endParaRPr lang="en-US" dirty="0"/>
           </a:p>
@@ -2091,7 +2095,7 @@
           <a:p>
             <a:fld id="{48A87A34-81AB-432B-8DAE-1953F412C126}" type="datetimeFigureOut">
               <a:rPr lang="en-US" dirty="0"/>
-              <a:t>9/26/2025</a:t>
+              <a:t>10/7/2025</a:t>
             </a:fld>
             <a:endParaRPr lang="en-US" dirty="0"/>
           </a:p>
@@ -2337,7 +2341,7 @@
           <a:p>
             <a:fld id="{48A87A34-81AB-432B-8DAE-1953F412C126}" type="datetimeFigureOut">
               <a:rPr lang="en-US" dirty="0"/>
-              <a:t>9/26/2025</a:t>
+              <a:t>10/7/2025</a:t>
             </a:fld>
             <a:endParaRPr lang="en-US" dirty="0"/>
           </a:p>
@@ -2778,7 +2782,7 @@
             <a:fld id="{48A87A34-81AB-432B-8DAE-1953F412C126}" type="datetimeFigureOut">
               <a:rPr lang="en-US" dirty="0"/>
               <a:pPr/>
-              <a:t>9/26/2025</a:t>
+              <a:t>10/7/2025</a:t>
             </a:fld>
             <a:endParaRPr lang="en-US" dirty="0"/>
           </a:p>
@@ -3101,7 +3105,7 @@
             <a:fld id="{48A87A34-81AB-432B-8DAE-1953F412C126}" type="datetimeFigureOut">
               <a:rPr lang="en-US" dirty="0"/>
               <a:pPr/>
-              <a:t>9/26/2025</a:t>
+              <a:t>10/7/2025</a:t>
             </a:fld>
             <a:endParaRPr lang="en-US" dirty="0"/>
           </a:p>
@@ -3705,6 +3709,150 @@
       </p:grpSpPr>
       <p:sp>
         <p:nvSpPr>
+          <p:cNvPr id="3" name="Tartalom helye 2">
+            <a:extLst>
+              <a:ext uri="{FF2B5EF4-FFF2-40B4-BE49-F238E27FC236}">
+                <a16:creationId xmlns:a16="http://schemas.microsoft.com/office/drawing/2014/main" id="{92E1E8CC-23FF-46EC-B6E0-7939ED8C4673}"/>
+              </a:ext>
+            </a:extLst>
+          </p:cNvPr>
+          <p:cNvSpPr>
+            <a:spLocks noGrp="1"/>
+          </p:cNvSpPr>
+          <p:nvPr>
+            <p:ph idx="1"/>
+          </p:nvPr>
+        </p:nvSpPr>
+        <p:spPr>
+          <a:xfrm>
+            <a:off x="142613" y="2687626"/>
+            <a:ext cx="8086987" cy="3293596"/>
+          </a:xfrm>
+        </p:spPr>
+        <p:txBody>
+          <a:bodyPr>
+            <a:normAutofit/>
+          </a:bodyPr>
+          <a:lstStyle/>
+          <a:p>
+            <a:r>
+              <a:rPr lang="hu-HU" sz="2400" dirty="0"/>
+              <a:t>A Technikai Osztály feladata az informatikai háttér biztosítása. </a:t>
+            </a:r>
+          </a:p>
+          <a:p>
+            <a:r>
+              <a:rPr lang="hu-HU" sz="2400" dirty="0"/>
+              <a:t>Itt találhatók a kliensgépek, valamint a belső router és </a:t>
+            </a:r>
+            <a:r>
+              <a:rPr lang="hu-HU" sz="2400" dirty="0" err="1"/>
+              <a:t>switch</a:t>
+            </a:r>
+            <a:r>
+              <a:rPr lang="hu-HU" sz="2400" dirty="0"/>
+              <a:t>, amelyek az internethez és a központi hálózathoz is kapcsolódnak.</a:t>
+            </a:r>
+          </a:p>
+        </p:txBody>
+      </p:sp>
+      <p:pic>
+        <p:nvPicPr>
+          <p:cNvPr id="5" name="Kép 4">
+            <a:extLst>
+              <a:ext uri="{FF2B5EF4-FFF2-40B4-BE49-F238E27FC236}">
+                <a16:creationId xmlns:a16="http://schemas.microsoft.com/office/drawing/2014/main" id="{ADAF27E2-BC60-45DD-9A5E-10F0BC9C4EE7}"/>
+              </a:ext>
+            </a:extLst>
+          </p:cNvPr>
+          <p:cNvPicPr>
+            <a:picLocks noChangeAspect="1"/>
+          </p:cNvPicPr>
+          <p:nvPr/>
+        </p:nvPicPr>
+        <p:blipFill>
+          <a:blip r:embed="rId2"/>
+          <a:stretch>
+            <a:fillRect/>
+          </a:stretch>
+        </p:blipFill>
+        <p:spPr>
+          <a:xfrm>
+            <a:off x="8430936" y="2044750"/>
+            <a:ext cx="2583809" cy="3690116"/>
+          </a:xfrm>
+          <a:prstGeom prst="rect">
+            <a:avLst/>
+          </a:prstGeom>
+        </p:spPr>
+      </p:pic>
+      <p:sp>
+        <p:nvSpPr>
+          <p:cNvPr id="6" name="Szövegdoboz 5">
+            <a:extLst>
+              <a:ext uri="{FF2B5EF4-FFF2-40B4-BE49-F238E27FC236}">
+                <a16:creationId xmlns:a16="http://schemas.microsoft.com/office/drawing/2014/main" id="{7437EFC0-AF62-4B04-B972-89057A17C618}"/>
+              </a:ext>
+            </a:extLst>
+          </p:cNvPr>
+          <p:cNvSpPr txBox="1"/>
+          <p:nvPr/>
+        </p:nvSpPr>
+        <p:spPr>
+          <a:xfrm>
+            <a:off x="1371600" y="1299598"/>
+            <a:ext cx="7772399" cy="584775"/>
+          </a:xfrm>
+          <a:prstGeom prst="rect">
+            <a:avLst/>
+          </a:prstGeom>
+          <a:noFill/>
+        </p:spPr>
+        <p:txBody>
+          <a:bodyPr wrap="square">
+            <a:spAutoFit/>
+          </a:bodyPr>
+          <a:lstStyle/>
+          <a:p>
+            <a:r>
+              <a:rPr lang="hu-HU" sz="3200" dirty="0"/>
+              <a:t>Technikai Osztály (Kék rész) </a:t>
+            </a:r>
+          </a:p>
+        </p:txBody>
+      </p:sp>
+    </p:spTree>
+    <p:extLst>
+      <p:ext uri="{BB962C8B-B14F-4D97-AF65-F5344CB8AC3E}">
+        <p14:creationId xmlns:p14="http://schemas.microsoft.com/office/powerpoint/2010/main" val="3124775784"/>
+      </p:ext>
+    </p:extLst>
+  </p:cSld>
+  <p:clrMapOvr>
+    <a:masterClrMapping/>
+  </p:clrMapOvr>
+</p:sld>
+</file>
+
+<file path=ppt/slides/slide11.xml><?xml version="1.0" encoding="utf-8"?>
+<p:sld xmlns:a="http://schemas.openxmlformats.org/drawingml/2006/main" xmlns:r="http://schemas.openxmlformats.org/officeDocument/2006/relationships" xmlns:p="http://schemas.openxmlformats.org/presentationml/2006/main">
+  <p:cSld>
+    <p:spTree>
+      <p:nvGrpSpPr>
+        <p:cNvPr id="1" name=""/>
+        <p:cNvGrpSpPr/>
+        <p:nvPr/>
+      </p:nvGrpSpPr>
+      <p:grpSpPr>
+        <a:xfrm>
+          <a:off x="0" y="0"/>
+          <a:ext cx="0" cy="0"/>
+          <a:chOff x="0" y="0"/>
+          <a:chExt cx="0" cy="0"/>
+        </a:xfrm>
+      </p:grpSpPr>
+      <p:sp>
+        <p:nvSpPr>
           <p:cNvPr id="2" name="Cím 1">
             <a:extLst>
               <a:ext uri="{FF2B5EF4-FFF2-40B4-BE49-F238E27FC236}">
@@ -3956,6 +4104,36 @@
           </a:p>
         </p:txBody>
       </p:sp>
+      <p:pic>
+        <p:nvPicPr>
+          <p:cNvPr id="5" name="Kép 4">
+            <a:extLst>
+              <a:ext uri="{FF2B5EF4-FFF2-40B4-BE49-F238E27FC236}">
+                <a16:creationId xmlns:a16="http://schemas.microsoft.com/office/drawing/2014/main" id="{91325804-1EBC-4249-82F2-67F440E45D0A}"/>
+              </a:ext>
+            </a:extLst>
+          </p:cNvPr>
+          <p:cNvPicPr>
+            <a:picLocks noChangeAspect="1"/>
+          </p:cNvPicPr>
+          <p:nvPr/>
+        </p:nvPicPr>
+        <p:blipFill>
+          <a:blip r:embed="rId2"/>
+          <a:stretch>
+            <a:fillRect/>
+          </a:stretch>
+        </p:blipFill>
+        <p:spPr>
+          <a:xfrm>
+            <a:off x="8026058" y="2363958"/>
+            <a:ext cx="3436099" cy="3494536"/>
+          </a:xfrm>
+          <a:prstGeom prst="rect">
+            <a:avLst/>
+          </a:prstGeom>
+        </p:spPr>
+      </p:pic>
     </p:spTree>
     <p:extLst>
       <p:ext uri="{BB962C8B-B14F-4D97-AF65-F5344CB8AC3E}">
@@ -3969,7 +4147,7 @@
 </p:sld>
 </file>
 
-<file path=ppt/slides/slide11.xml><?xml version="1.0" encoding="utf-8"?>
+<file path=ppt/slides/slide12.xml><?xml version="1.0" encoding="utf-8"?>
 <p:sld xmlns:a="http://schemas.openxmlformats.org/drawingml/2006/main" xmlns:r="http://schemas.openxmlformats.org/officeDocument/2006/relationships" xmlns:p="http://schemas.openxmlformats.org/presentationml/2006/main">
   <p:cSld>
     <p:spTree>
@@ -4065,6 +4243,41 @@
           </a:prstGeom>
         </p:spPr>
       </p:pic>
+      <p:sp>
+        <p:nvSpPr>
+          <p:cNvPr id="6" name="Szövegdoboz 5">
+            <a:extLst>
+              <a:ext uri="{FF2B5EF4-FFF2-40B4-BE49-F238E27FC236}">
+                <a16:creationId xmlns:a16="http://schemas.microsoft.com/office/drawing/2014/main" id="{E2F31583-73CC-4565-9170-7F33A30C02F0}"/>
+              </a:ext>
+            </a:extLst>
+          </p:cNvPr>
+          <p:cNvSpPr txBox="1"/>
+          <p:nvPr/>
+        </p:nvSpPr>
+        <p:spPr>
+          <a:xfrm>
+            <a:off x="2801353" y="1182693"/>
+            <a:ext cx="6589294" cy="584775"/>
+          </a:xfrm>
+          <a:prstGeom prst="rect">
+            <a:avLst/>
+          </a:prstGeom>
+          <a:noFill/>
+        </p:spPr>
+        <p:txBody>
+          <a:bodyPr wrap="square">
+            <a:spAutoFit/>
+          </a:bodyPr>
+          <a:lstStyle/>
+          <a:p>
+            <a:r>
+              <a:rPr lang="hu-HU" sz="3200" dirty="0"/>
+              <a:t>Adatkezelési Központ (Zöld rész)</a:t>
+            </a:r>
+          </a:p>
+        </p:txBody>
+      </p:sp>
     </p:spTree>
     <p:extLst>
       <p:ext uri="{BB962C8B-B14F-4D97-AF65-F5344CB8AC3E}">
@@ -4078,7 +4291,7 @@
 </p:sld>
 </file>
 
-<file path=ppt/slides/slide12.xml><?xml version="1.0" encoding="utf-8"?>
+<file path=ppt/slides/slide13.xml><?xml version="1.0" encoding="utf-8"?>
 <p:sld xmlns:a="http://schemas.openxmlformats.org/drawingml/2006/main" xmlns:r="http://schemas.openxmlformats.org/officeDocument/2006/relationships" xmlns:p="http://schemas.openxmlformats.org/presentationml/2006/main">
   <p:cSld>
     <p:spTree>
@@ -4149,8 +4362,8 @@
         </p:nvSpPr>
         <p:spPr bwMode="auto">
           <a:xfrm>
-            <a:off x="1451579" y="2771543"/>
-            <a:ext cx="9222396" cy="1938992"/>
+            <a:off x="436512" y="3011927"/>
+            <a:ext cx="9219216" cy="1631216"/>
           </a:xfrm>
           <a:prstGeom prst="rect">
             <a:avLst/>
@@ -4190,7 +4403,7 @@
           </a:extLst>
         </p:spPr>
         <p:txBody>
-          <a:bodyPr vert="horz" wrap="none" lIns="91440" tIns="45720" rIns="91440" bIns="45720" numCol="1" anchor="ctr" anchorCtr="0" compatLnSpc="1">
+          <a:bodyPr vert="horz" wrap="square" lIns="91440" tIns="45720" rIns="91440" bIns="45720" numCol="1" anchor="ctr" anchorCtr="0" compatLnSpc="1">
             <a:prstTxWarp prst="textNoShape">
               <a:avLst/>
             </a:prstTxWarp>
@@ -4215,7 +4428,7 @@
               <a:tabLst/>
             </a:pPr>
             <a:r>
-              <a:rPr kumimoji="0" lang="hu-HU" altLang="hu-HU" sz="2400" b="1" i="0" u="none" strike="noStrike" cap="none" normalizeH="0" baseline="0" dirty="0">
+              <a:rPr kumimoji="0" lang="hu-HU" altLang="hu-HU" b="1" i="0" u="none" strike="noStrike" cap="none" normalizeH="0" baseline="0" dirty="0">
                 <a:ln>
                   <a:noFill/>
                 </a:ln>
@@ -4228,7 +4441,7 @@
               <a:t>Eszközök: </a:t>
             </a:r>
             <a:r>
-              <a:rPr kumimoji="0" lang="hu-HU" altLang="hu-HU" sz="2400" b="0" i="0" u="none" strike="noStrike" cap="none" normalizeH="0" baseline="0" dirty="0">
+              <a:rPr kumimoji="0" lang="hu-HU" altLang="hu-HU" b="0" i="0" u="none" strike="noStrike" cap="none" normalizeH="0" baseline="0" dirty="0">
                 <a:ln>
                   <a:noFill/>
                 </a:ln>
@@ -4258,7 +4471,7 @@
               <a:buChar char="•"/>
               <a:tabLst/>
             </a:pPr>
-            <a:endParaRPr kumimoji="0" lang="hu-HU" altLang="hu-HU" sz="2400" b="0" i="0" u="none" strike="noStrike" cap="none" normalizeH="0" baseline="0" dirty="0">
+            <a:endParaRPr kumimoji="0" lang="hu-HU" altLang="hu-HU" b="0" i="0" u="none" strike="noStrike" cap="none" normalizeH="0" baseline="0" dirty="0">
               <a:ln>
                 <a:noFill/>
               </a:ln>
@@ -4287,7 +4500,7 @@
               <a:tabLst/>
             </a:pPr>
             <a:r>
-              <a:rPr kumimoji="0" lang="hu-HU" altLang="hu-HU" sz="2400" b="1" i="0" u="none" strike="noStrike" cap="none" normalizeH="0" baseline="0" dirty="0">
+              <a:rPr kumimoji="0" lang="hu-HU" altLang="hu-HU" b="1" i="0" u="none" strike="noStrike" cap="none" normalizeH="0" baseline="0" dirty="0">
                 <a:ln>
                   <a:noFill/>
                 </a:ln>
@@ -4300,7 +4513,7 @@
               <a:t>Feladat:</a:t>
             </a:r>
             <a:r>
-              <a:rPr kumimoji="0" lang="hu-HU" altLang="hu-HU" sz="2400" b="0" i="0" u="none" strike="noStrike" cap="none" normalizeH="0" baseline="0" dirty="0">
+              <a:rPr kumimoji="0" lang="hu-HU" altLang="hu-HU" b="0" i="0" u="none" strike="noStrike" cap="none" normalizeH="0" baseline="0" dirty="0">
                 <a:ln>
                   <a:noFill/>
                 </a:ln>
@@ -4330,7 +4543,7 @@
               <a:buChar char="•"/>
               <a:tabLst/>
             </a:pPr>
-            <a:endParaRPr kumimoji="0" lang="hu-HU" altLang="hu-HU" sz="2400" b="0" i="0" u="none" strike="noStrike" cap="none" normalizeH="0" baseline="0" dirty="0">
+            <a:endParaRPr kumimoji="0" lang="hu-HU" altLang="hu-HU" b="0" i="0" u="none" strike="noStrike" cap="none" normalizeH="0" baseline="0" dirty="0">
               <a:ln>
                 <a:noFill/>
               </a:ln>
@@ -4359,7 +4572,7 @@
               <a:tabLst/>
             </a:pPr>
             <a:r>
-              <a:rPr kumimoji="0" lang="hu-HU" altLang="hu-HU" sz="2400" b="0" i="0" u="none" strike="noStrike" cap="none" normalizeH="0" baseline="0" dirty="0">
+              <a:rPr kumimoji="0" lang="hu-HU" altLang="hu-HU" b="0" i="0" u="none" strike="noStrike" cap="none" normalizeH="0" baseline="0" dirty="0">
                 <a:ln>
                   <a:noFill/>
                 </a:ln>
@@ -4372,7 +4585,7 @@
               <a:t>Sűrű </a:t>
             </a:r>
             <a:r>
-              <a:rPr kumimoji="0" lang="hu-HU" altLang="hu-HU" sz="2400" b="0" i="0" u="none" strike="noStrike" cap="none" normalizeH="0" baseline="0" dirty="0" err="1">
+              <a:rPr kumimoji="0" lang="hu-HU" altLang="hu-HU" b="0" i="0" u="none" strike="noStrike" cap="none" normalizeH="0" baseline="0" dirty="0" err="1">
                 <a:ln>
                   <a:noFill/>
                 </a:ln>
@@ -4385,7 +4598,7 @@
               <a:t>switch</a:t>
             </a:r>
             <a:r>
-              <a:rPr kumimoji="0" lang="hu-HU" altLang="hu-HU" sz="2400" b="0" i="0" u="none" strike="noStrike" cap="none" normalizeH="0" baseline="0" dirty="0">
+              <a:rPr kumimoji="0" lang="hu-HU" altLang="hu-HU" b="0" i="0" u="none" strike="noStrike" cap="none" normalizeH="0" baseline="0" dirty="0">
                 <a:ln>
                   <a:noFill/>
                 </a:ln>
@@ -4400,6 +4613,36 @@
           </a:p>
         </p:txBody>
       </p:sp>
+      <p:pic>
+        <p:nvPicPr>
+          <p:cNvPr id="5" name="Kép 4">
+            <a:extLst>
+              <a:ext uri="{FF2B5EF4-FFF2-40B4-BE49-F238E27FC236}">
+                <a16:creationId xmlns:a16="http://schemas.microsoft.com/office/drawing/2014/main" id="{43C6CDC3-DFE7-4804-84EE-BADDEC92619D}"/>
+              </a:ext>
+            </a:extLst>
+          </p:cNvPr>
+          <p:cNvPicPr>
+            <a:picLocks noChangeAspect="1"/>
+          </p:cNvPicPr>
+          <p:nvPr/>
+        </p:nvPicPr>
+        <p:blipFill>
+          <a:blip r:embed="rId2"/>
+          <a:stretch>
+            <a:fillRect/>
+          </a:stretch>
+        </p:blipFill>
+        <p:spPr>
+          <a:xfrm>
+            <a:off x="8347045" y="2236039"/>
+            <a:ext cx="3308059" cy="3788166"/>
+          </a:xfrm>
+          <a:prstGeom prst="rect">
+            <a:avLst/>
+          </a:prstGeom>
+        </p:spPr>
+      </p:pic>
     </p:spTree>
     <p:extLst>
       <p:ext uri="{BB962C8B-B14F-4D97-AF65-F5344CB8AC3E}">
@@ -4413,7 +4656,7 @@
 </p:sld>
 </file>
 
-<file path=ppt/slides/slide13.xml><?xml version="1.0" encoding="utf-8"?>
+<file path=ppt/slides/slide14.xml><?xml version="1.0" encoding="utf-8"?>
 <p:sld xmlns:a="http://schemas.openxmlformats.org/drawingml/2006/main" xmlns:r="http://schemas.openxmlformats.org/officeDocument/2006/relationships" xmlns:p="http://schemas.openxmlformats.org/presentationml/2006/main">
   <p:cSld>
     <p:spTree>
@@ -4507,6 +4750,41 @@
           </a:prstGeom>
         </p:spPr>
       </p:pic>
+      <p:sp>
+        <p:nvSpPr>
+          <p:cNvPr id="6" name="Szövegdoboz 5">
+            <a:extLst>
+              <a:ext uri="{FF2B5EF4-FFF2-40B4-BE49-F238E27FC236}">
+                <a16:creationId xmlns:a16="http://schemas.microsoft.com/office/drawing/2014/main" id="{2C9EA8FC-B8EB-40DA-86E2-AA2EC13199F2}"/>
+              </a:ext>
+            </a:extLst>
+          </p:cNvPr>
+          <p:cNvSpPr txBox="1"/>
+          <p:nvPr/>
+        </p:nvSpPr>
+        <p:spPr>
+          <a:xfrm>
+            <a:off x="2662907" y="1167253"/>
+            <a:ext cx="7487652" cy="646331"/>
+          </a:xfrm>
+          <a:prstGeom prst="rect">
+            <a:avLst/>
+          </a:prstGeom>
+          <a:noFill/>
+        </p:spPr>
+        <p:txBody>
+          <a:bodyPr wrap="square">
+            <a:spAutoFit/>
+          </a:bodyPr>
+          <a:lstStyle/>
+          <a:p>
+            <a:r>
+              <a:rPr lang="hu-HU" sz="3600" dirty="0"/>
+              <a:t>Adminisztratív Részleg (Piros rész)</a:t>
+            </a:r>
+          </a:p>
+        </p:txBody>
+      </p:sp>
     </p:spTree>
     <p:extLst>
       <p:ext uri="{BB962C8B-B14F-4D97-AF65-F5344CB8AC3E}">
@@ -4520,7 +4798,7 @@
 </p:sld>
 </file>
 
-<file path=ppt/slides/slide14.xml><?xml version="1.0" encoding="utf-8"?>
+<file path=ppt/slides/slide15.xml><?xml version="1.0" encoding="utf-8"?>
 <p:sld xmlns:a="http://schemas.openxmlformats.org/drawingml/2006/main" xmlns:r="http://schemas.openxmlformats.org/officeDocument/2006/relationships" xmlns:p="http://schemas.openxmlformats.org/presentationml/2006/main">
   <p:cSld>
     <p:spTree>
@@ -4539,10 +4817,10 @@
       </p:grpSpPr>
       <p:sp>
         <p:nvSpPr>
-          <p:cNvPr id="2" name="Cím 1">
+          <p:cNvPr id="3" name="Tartalom helye 2">
             <a:extLst>
               <a:ext uri="{FF2B5EF4-FFF2-40B4-BE49-F238E27FC236}">
-                <a16:creationId xmlns:a16="http://schemas.microsoft.com/office/drawing/2014/main" id="{E2D3261A-8976-46DD-9BE3-1507DCB03E10}"/>
+                <a16:creationId xmlns:a16="http://schemas.microsoft.com/office/drawing/2014/main" id="{7F1AF3AE-B370-48D4-9D98-E306D4CB7F76}"/>
               </a:ext>
             </a:extLst>
           </p:cNvPr>
@@ -4550,62 +4828,123 @@
             <a:spLocks noGrp="1"/>
           </p:cNvSpPr>
           <p:nvPr>
-            <p:ph type="title"/>
-          </p:nvPr>
-        </p:nvSpPr>
-        <p:spPr>
-          <a:xfrm>
-            <a:off x="1120989" y="1168934"/>
-            <a:ext cx="9603275" cy="562887"/>
-          </a:xfrm>
-        </p:spPr>
-        <p:txBody>
-          <a:bodyPr>
-            <a:noAutofit/>
-          </a:bodyPr>
-          <a:lstStyle/>
-          <a:p>
-            <a:pPr algn="ctr"/>
-            <a:r>
-              <a:rPr lang="hu-HU" sz="3600" dirty="0"/>
-              <a:t>kép a topológiáról</a:t>
-            </a:r>
-          </a:p>
-        </p:txBody>
-      </p:sp>
-      <p:pic>
-        <p:nvPicPr>
-          <p:cNvPr id="5" name="Tartalom helye 4">
+            <p:ph idx="1"/>
+          </p:nvPr>
+        </p:nvSpPr>
+        <p:spPr/>
+        <p:txBody>
+          <a:bodyPr/>
+          <a:lstStyle/>
+          <a:p>
+            <a:r>
+              <a:rPr lang="hu-HU" dirty="0"/>
+              <a:t>A cég működését három fő részleg határozza meg:</a:t>
+            </a:r>
+          </a:p>
+          <a:p>
+            <a:pPr>
+              <a:buFont typeface="+mj-lt"/>
+              <a:buAutoNum type="arabicPeriod"/>
+            </a:pPr>
+            <a:r>
+              <a:rPr lang="hu-HU" b="1" dirty="0"/>
+              <a:t>Technikai Osztály</a:t>
+            </a:r>
+            <a:r>
+              <a:rPr lang="hu-HU" dirty="0"/>
+              <a:t> – a hálózat és eszközpark karbantartása, fejlesztése</a:t>
+            </a:r>
+          </a:p>
+          <a:p>
+            <a:pPr>
+              <a:buFont typeface="+mj-lt"/>
+              <a:buAutoNum type="arabicPeriod"/>
+            </a:pPr>
+            <a:r>
+              <a:rPr lang="hu-HU" b="1" dirty="0"/>
+              <a:t>Adatkezelési Központ</a:t>
+            </a:r>
+            <a:r>
+              <a:rPr lang="hu-HU" dirty="0"/>
+              <a:t> – szerverek, adatbázisok, belső adatforgalom és biztonság</a:t>
+            </a:r>
+          </a:p>
+          <a:p>
+            <a:pPr>
+              <a:buFont typeface="+mj-lt"/>
+              <a:buAutoNum type="arabicPeriod"/>
+            </a:pPr>
+            <a:r>
+              <a:rPr lang="hu-HU" b="1" dirty="0"/>
+              <a:t>Adminisztratív Részleg</a:t>
+            </a:r>
+            <a:r>
+              <a:rPr lang="hu-HU" dirty="0"/>
+              <a:t> – irodai működés, dokumentumkezelés, napi ügyvitel</a:t>
+            </a:r>
+          </a:p>
+          <a:p>
+            <a:r>
+              <a:rPr lang="hu-HU" dirty="0"/>
+              <a:t>A részlegek </a:t>
+            </a:r>
+            <a:r>
+              <a:rPr lang="hu-HU" b="1" dirty="0"/>
+              <a:t>egy közös, integrált hálózati rendszerben</a:t>
+            </a:r>
+            <a:r>
+              <a:rPr lang="hu-HU" dirty="0"/>
+              <a:t> működnek, amely biztosítja az adatok gyors és biztonságos áramlását.</a:t>
+            </a:r>
+          </a:p>
+          <a:p>
+            <a:endParaRPr lang="hu-HU" dirty="0"/>
+          </a:p>
+        </p:txBody>
+      </p:sp>
+      <p:sp>
+        <p:nvSpPr>
+          <p:cNvPr id="6" name="Cím 5">
             <a:extLst>
               <a:ext uri="{FF2B5EF4-FFF2-40B4-BE49-F238E27FC236}">
-                <a16:creationId xmlns:a16="http://schemas.microsoft.com/office/drawing/2014/main" id="{2D9B54C4-28C3-4862-ACE4-8317B57ECB3B}"/>
+                <a16:creationId xmlns:a16="http://schemas.microsoft.com/office/drawing/2014/main" id="{85EA8C5A-DA42-4AE2-BC74-2B249DF40EF6}"/>
               </a:ext>
             </a:extLst>
           </p:cNvPr>
-          <p:cNvPicPr>
-            <a:picLocks noGrp="1" noChangeAspect="1"/>
-          </p:cNvPicPr>
-          <p:nvPr>
-            <p:ph idx="1"/>
-          </p:nvPr>
-        </p:nvPicPr>
-        <p:blipFill>
-          <a:blip r:embed="rId2"/>
-          <a:stretch>
-            <a:fillRect/>
-          </a:stretch>
-        </p:blipFill>
+          <p:cNvSpPr txBox="1">
+            <a:spLocks noGrp="1"/>
+          </p:cNvSpPr>
+          <p:nvPr>
+            <p:ph type="title"/>
+          </p:nvPr>
+        </p:nvSpPr>
         <p:spPr>
           <a:xfrm>
-            <a:off x="2273416" y="1971413"/>
-            <a:ext cx="7298423" cy="4022856"/>
+            <a:off x="1450975" y="804863"/>
+            <a:ext cx="9604375" cy="1049337"/>
           </a:xfrm>
+          <a:prstGeom prst="rect">
+            <a:avLst/>
+          </a:prstGeom>
+          <a:noFill/>
         </p:spPr>
-      </p:pic>
+        <p:txBody>
+          <a:bodyPr wrap="square">
+            <a:spAutoFit/>
+          </a:bodyPr>
+          <a:lstStyle/>
+          <a:p>
+            <a:r>
+              <a:rPr lang="hu-HU" dirty="0"/>
+              <a:t>Cég működési struktúrája</a:t>
+            </a:r>
+          </a:p>
+        </p:txBody>
+      </p:sp>
     </p:spTree>
     <p:extLst>
       <p:ext uri="{BB962C8B-B14F-4D97-AF65-F5344CB8AC3E}">
-        <p14:creationId xmlns:p14="http://schemas.microsoft.com/office/powerpoint/2010/main" val="666937899"/>
+        <p14:creationId xmlns:p14="http://schemas.microsoft.com/office/powerpoint/2010/main" val="2630210854"/>
       </p:ext>
     </p:extLst>
   </p:cSld>
@@ -4615,7 +4954,348 @@
 </p:sld>
 </file>
 
-<file path=ppt/slides/slide15.xml><?xml version="1.0" encoding="utf-8"?>
+<file path=ppt/slides/slide16.xml><?xml version="1.0" encoding="utf-8"?>
+<p:sld xmlns:a="http://schemas.openxmlformats.org/drawingml/2006/main" xmlns:r="http://schemas.openxmlformats.org/officeDocument/2006/relationships" xmlns:p="http://schemas.openxmlformats.org/presentationml/2006/main">
+  <p:cSld>
+    <p:spTree>
+      <p:nvGrpSpPr>
+        <p:cNvPr id="1" name=""/>
+        <p:cNvGrpSpPr/>
+        <p:nvPr/>
+      </p:nvGrpSpPr>
+      <p:grpSpPr>
+        <a:xfrm>
+          <a:off x="0" y="0"/>
+          <a:ext cx="0" cy="0"/>
+          <a:chOff x="0" y="0"/>
+          <a:chExt cx="0" cy="0"/>
+        </a:xfrm>
+      </p:grpSpPr>
+      <p:sp>
+        <p:nvSpPr>
+          <p:cNvPr id="2" name="Cím 1">
+            <a:extLst>
+              <a:ext uri="{FF2B5EF4-FFF2-40B4-BE49-F238E27FC236}">
+                <a16:creationId xmlns:a16="http://schemas.microsoft.com/office/drawing/2014/main" id="{05410110-8D04-4111-9820-E24EFC010CCD}"/>
+              </a:ext>
+            </a:extLst>
+          </p:cNvPr>
+          <p:cNvSpPr>
+            <a:spLocks noGrp="1"/>
+          </p:cNvSpPr>
+          <p:nvPr>
+            <p:ph type="title"/>
+          </p:nvPr>
+        </p:nvSpPr>
+        <p:spPr/>
+        <p:txBody>
+          <a:bodyPr/>
+          <a:lstStyle/>
+          <a:p>
+            <a:r>
+              <a:rPr lang="hu-HU" dirty="0"/>
+              <a:t>Fejlesztési lehetőségek és jövőbeli célok</a:t>
+            </a:r>
+          </a:p>
+        </p:txBody>
+      </p:sp>
+      <p:sp>
+        <p:nvSpPr>
+          <p:cNvPr id="4" name="Rectangle 1">
+            <a:extLst>
+              <a:ext uri="{FF2B5EF4-FFF2-40B4-BE49-F238E27FC236}">
+                <a16:creationId xmlns:a16="http://schemas.microsoft.com/office/drawing/2014/main" id="{9963017F-4879-41CF-A82E-063B38E7A78E}"/>
+              </a:ext>
+            </a:extLst>
+          </p:cNvPr>
+          <p:cNvSpPr>
+            <a:spLocks noGrp="1" noChangeArrowheads="1"/>
+          </p:cNvSpPr>
+          <p:nvPr>
+            <p:ph idx="1"/>
+          </p:nvPr>
+        </p:nvSpPr>
+        <p:spPr bwMode="auto">
+          <a:xfrm>
+            <a:off x="1451579" y="2863875"/>
+            <a:ext cx="8190063" cy="1754326"/>
+          </a:xfrm>
+          <a:prstGeom prst="rect">
+            <a:avLst/>
+          </a:prstGeom>
+          <a:noFill/>
+          <a:ln>
+            <a:noFill/>
+          </a:ln>
+          <a:effectLst/>
+          <a:extLst>
+            <a:ext uri="{909E8E84-426E-40DD-AFC4-6F175D3DCCD1}">
+              <a14:hiddenFill xmlns:a14="http://schemas.microsoft.com/office/drawing/2010/main">
+                <a:solidFill>
+                  <a:schemeClr val="accent1"/>
+                </a:solidFill>
+              </a14:hiddenFill>
+            </a:ext>
+            <a:ext uri="{91240B29-F687-4F45-9708-019B960494DF}">
+              <a14:hiddenLine xmlns:a14="http://schemas.microsoft.com/office/drawing/2010/main" w="9525">
+                <a:solidFill>
+                  <a:schemeClr val="tx1"/>
+                </a:solidFill>
+                <a:miter lim="800000"/>
+                <a:headEnd/>
+                <a:tailEnd/>
+              </a14:hiddenLine>
+            </a:ext>
+            <a:ext uri="{AF507438-7753-43E0-B8FC-AC1667EBCBE1}">
+              <a14:hiddenEffects xmlns:a14="http://schemas.microsoft.com/office/drawing/2010/main">
+                <a:effectLst>
+                  <a:outerShdw dist="35921" dir="2700000" algn="ctr" rotWithShape="0">
+                    <a:schemeClr val="bg2"/>
+                  </a:outerShdw>
+                </a:effectLst>
+              </a14:hiddenEffects>
+            </a:ext>
+          </a:extLst>
+        </p:spPr>
+        <p:txBody>
+          <a:bodyPr vert="horz" wrap="none" lIns="91440" tIns="45720" rIns="91440" bIns="45720" numCol="1" anchor="ctr" anchorCtr="0" compatLnSpc="1">
+            <a:prstTxWarp prst="textNoShape">
+              <a:avLst/>
+            </a:prstTxWarp>
+            <a:spAutoFit/>
+          </a:bodyPr>
+          <a:lstStyle/>
+          <a:p>
+            <a:pPr marL="0" marR="0" lvl="0" indent="0" algn="l" defTabSz="914400" rtl="0" eaLnBrk="0" fontAlgn="base" latinLnBrk="0" hangingPunct="0">
+              <a:lnSpc>
+                <a:spcPct val="100000"/>
+              </a:lnSpc>
+              <a:spcBef>
+                <a:spcPct val="0"/>
+              </a:spcBef>
+              <a:spcAft>
+                <a:spcPct val="0"/>
+              </a:spcAft>
+              <a:buClrTx/>
+              <a:buSzTx/>
+              <a:buFontTx/>
+              <a:buChar char="•"/>
+              <a:tabLst/>
+            </a:pPr>
+            <a:r>
+              <a:rPr kumimoji="0" lang="hu-HU" altLang="hu-HU" sz="1800" b="1" i="0" u="none" strike="noStrike" cap="none" normalizeH="0" baseline="0" dirty="0">
+                <a:ln>
+                  <a:noFill/>
+                </a:ln>
+                <a:solidFill>
+                  <a:schemeClr val="tx1"/>
+                </a:solidFill>
+                <a:effectLst/>
+                <a:latin typeface="Arial" panose="020B0604020202020204" pitchFamily="34" charset="0"/>
+              </a:rPr>
+              <a:t>Felhőalapú szolgáltatások integrálása</a:t>
+            </a:r>
+            <a:r>
+              <a:rPr kumimoji="0" lang="hu-HU" altLang="hu-HU" sz="1800" b="0" i="0" u="none" strike="noStrike" cap="none" normalizeH="0" baseline="0" dirty="0">
+                <a:ln>
+                  <a:noFill/>
+                </a:ln>
+                <a:solidFill>
+                  <a:schemeClr val="tx1"/>
+                </a:solidFill>
+                <a:effectLst/>
+                <a:latin typeface="Arial" panose="020B0604020202020204" pitchFamily="34" charset="0"/>
+              </a:rPr>
+              <a:t> </a:t>
+            </a:r>
+          </a:p>
+          <a:p>
+            <a:pPr marL="0" marR="0" lvl="0" indent="0" algn="l" defTabSz="914400" rtl="0" eaLnBrk="0" fontAlgn="base" latinLnBrk="0" hangingPunct="0">
+              <a:lnSpc>
+                <a:spcPct val="100000"/>
+              </a:lnSpc>
+              <a:spcBef>
+                <a:spcPct val="0"/>
+              </a:spcBef>
+              <a:spcAft>
+                <a:spcPct val="0"/>
+              </a:spcAft>
+              <a:buClrTx/>
+              <a:buSzTx/>
+              <a:buFontTx/>
+              <a:buChar char="•"/>
+              <a:tabLst/>
+            </a:pPr>
+            <a:endParaRPr kumimoji="0" lang="hu-HU" altLang="hu-HU" sz="1800" b="0" i="0" u="none" strike="noStrike" cap="none" normalizeH="0" baseline="0" dirty="0">
+              <a:ln>
+                <a:noFill/>
+              </a:ln>
+              <a:solidFill>
+                <a:schemeClr val="tx1"/>
+              </a:solidFill>
+              <a:effectLst/>
+              <a:latin typeface="Arial" panose="020B0604020202020204" pitchFamily="34" charset="0"/>
+            </a:endParaRPr>
+          </a:p>
+          <a:p>
+            <a:pPr marL="0" marR="0" lvl="0" indent="0" algn="l" defTabSz="914400" rtl="0" eaLnBrk="0" fontAlgn="base" latinLnBrk="0" hangingPunct="0">
+              <a:lnSpc>
+                <a:spcPct val="100000"/>
+              </a:lnSpc>
+              <a:spcBef>
+                <a:spcPct val="0"/>
+              </a:spcBef>
+              <a:spcAft>
+                <a:spcPct val="0"/>
+              </a:spcAft>
+              <a:buClrTx/>
+              <a:buSzTx/>
+              <a:buFontTx/>
+              <a:buChar char="•"/>
+              <a:tabLst/>
+            </a:pPr>
+            <a:r>
+              <a:rPr kumimoji="0" lang="hu-HU" altLang="hu-HU" sz="1800" b="1" i="0" u="none" strike="noStrike" cap="none" normalizeH="0" baseline="0" dirty="0" err="1">
+                <a:ln>
+                  <a:noFill/>
+                </a:ln>
+                <a:solidFill>
+                  <a:schemeClr val="tx1"/>
+                </a:solidFill>
+                <a:effectLst/>
+                <a:latin typeface="Arial" panose="020B0604020202020204" pitchFamily="34" charset="0"/>
+              </a:rPr>
+              <a:t>Kibervédelmi</a:t>
+            </a:r>
+            <a:r>
+              <a:rPr kumimoji="0" lang="hu-HU" altLang="hu-HU" sz="1800" b="1" i="0" u="none" strike="noStrike" cap="none" normalizeH="0" baseline="0" dirty="0">
+                <a:ln>
+                  <a:noFill/>
+                </a:ln>
+                <a:solidFill>
+                  <a:schemeClr val="tx1"/>
+                </a:solidFill>
+                <a:effectLst/>
+                <a:latin typeface="Arial" panose="020B0604020202020204" pitchFamily="34" charset="0"/>
+              </a:rPr>
+              <a:t> rendszer</a:t>
+            </a:r>
+            <a:r>
+              <a:rPr kumimoji="0" lang="hu-HU" altLang="hu-HU" sz="1800" b="0" i="0" u="none" strike="noStrike" cap="none" normalizeH="0" baseline="0" dirty="0">
+                <a:ln>
+                  <a:noFill/>
+                </a:ln>
+                <a:solidFill>
+                  <a:schemeClr val="tx1"/>
+                </a:solidFill>
+                <a:effectLst/>
+                <a:latin typeface="Arial" panose="020B0604020202020204" pitchFamily="34" charset="0"/>
+              </a:rPr>
+              <a:t> bővítése – tűzfal, VPN, biztonsági naplózás</a:t>
+            </a:r>
+          </a:p>
+          <a:p>
+            <a:pPr marL="0" marR="0" lvl="0" indent="0" algn="l" defTabSz="914400" rtl="0" eaLnBrk="0" fontAlgn="base" latinLnBrk="0" hangingPunct="0">
+              <a:lnSpc>
+                <a:spcPct val="100000"/>
+              </a:lnSpc>
+              <a:spcBef>
+                <a:spcPct val="0"/>
+              </a:spcBef>
+              <a:spcAft>
+                <a:spcPct val="0"/>
+              </a:spcAft>
+              <a:buClrTx/>
+              <a:buSzTx/>
+              <a:buFontTx/>
+              <a:buChar char="•"/>
+              <a:tabLst/>
+            </a:pPr>
+            <a:endParaRPr kumimoji="0" lang="hu-HU" altLang="hu-HU" sz="1800" b="0" i="0" u="none" strike="noStrike" cap="none" normalizeH="0" baseline="0" dirty="0">
+              <a:ln>
+                <a:noFill/>
+              </a:ln>
+              <a:solidFill>
+                <a:schemeClr val="tx1"/>
+              </a:solidFill>
+              <a:effectLst/>
+              <a:latin typeface="Arial" panose="020B0604020202020204" pitchFamily="34" charset="0"/>
+            </a:endParaRPr>
+          </a:p>
+          <a:p>
+            <a:pPr marL="0" marR="0" lvl="0" indent="0" algn="l" defTabSz="914400" rtl="0" eaLnBrk="0" fontAlgn="base" latinLnBrk="0" hangingPunct="0">
+              <a:lnSpc>
+                <a:spcPct val="100000"/>
+              </a:lnSpc>
+              <a:spcBef>
+                <a:spcPct val="0"/>
+              </a:spcBef>
+              <a:spcAft>
+                <a:spcPct val="0"/>
+              </a:spcAft>
+              <a:buClrTx/>
+              <a:buSzTx/>
+              <a:buFontTx/>
+              <a:buChar char="•"/>
+              <a:tabLst/>
+            </a:pPr>
+            <a:r>
+              <a:rPr kumimoji="0" lang="hu-HU" altLang="hu-HU" sz="1800" b="1" i="0" u="none" strike="noStrike" cap="none" normalizeH="0" baseline="0" dirty="0">
+                <a:ln>
+                  <a:noFill/>
+                </a:ln>
+                <a:solidFill>
+                  <a:schemeClr val="tx1"/>
+                </a:solidFill>
+                <a:effectLst/>
+                <a:latin typeface="Arial" panose="020B0604020202020204" pitchFamily="34" charset="0"/>
+              </a:rPr>
+              <a:t>Adatmentés automatizálása és redundáns szerverrendszerek kialakítása</a:t>
+            </a:r>
+          </a:p>
+          <a:p>
+            <a:pPr marL="0" marR="0" lvl="0" indent="0" algn="l" defTabSz="914400" rtl="0" eaLnBrk="0" fontAlgn="base" latinLnBrk="0" hangingPunct="0">
+              <a:lnSpc>
+                <a:spcPct val="100000"/>
+              </a:lnSpc>
+              <a:spcBef>
+                <a:spcPct val="0"/>
+              </a:spcBef>
+              <a:spcAft>
+                <a:spcPct val="0"/>
+              </a:spcAft>
+              <a:buClrTx/>
+              <a:buSzTx/>
+              <a:buNone/>
+              <a:tabLst/>
+            </a:pPr>
+            <a:endParaRPr kumimoji="0" lang="hu-HU" altLang="hu-HU" sz="1800" b="0" i="0" u="none" strike="noStrike" cap="none" normalizeH="0" baseline="0" dirty="0">
+              <a:ln>
+                <a:noFill/>
+              </a:ln>
+              <a:solidFill>
+                <a:schemeClr val="tx1"/>
+              </a:solidFill>
+              <a:effectLst/>
+              <a:latin typeface="Arial" panose="020B0604020202020204" pitchFamily="34" charset="0"/>
+            </a:endParaRPr>
+          </a:p>
+        </p:txBody>
+      </p:sp>
+    </p:spTree>
+    <p:extLst>
+      <p:ext uri="{BB962C8B-B14F-4D97-AF65-F5344CB8AC3E}">
+        <p14:creationId xmlns:p14="http://schemas.microsoft.com/office/powerpoint/2010/main" val="3921590021"/>
+      </p:ext>
+    </p:extLst>
+  </p:cSld>
+  <p:clrMapOvr>
+    <a:masterClrMapping/>
+  </p:clrMapOvr>
+</p:sld>
+</file>
+
+<file path=ppt/slides/slide17.xml><?xml version="1.0" encoding="utf-8"?>
 <p:sld xmlns:a="http://schemas.openxmlformats.org/drawingml/2006/main" xmlns:r="http://schemas.openxmlformats.org/officeDocument/2006/relationships" xmlns:p="http://schemas.openxmlformats.org/presentationml/2006/main">
   <p:cSld>
     <p:spTree>
@@ -4949,7 +5629,135 @@
 </p:sld>
 </file>
 
-<file path=ppt/slides/slide16.xml><?xml version="1.0" encoding="utf-8"?>
+<file path=ppt/slides/slide18.xml><?xml version="1.0" encoding="utf-8"?>
+<p:sld xmlns:a="http://schemas.openxmlformats.org/drawingml/2006/main" xmlns:r="http://schemas.openxmlformats.org/officeDocument/2006/relationships" xmlns:p="http://schemas.openxmlformats.org/presentationml/2006/main">
+  <p:cSld>
+    <p:spTree>
+      <p:nvGrpSpPr>
+        <p:cNvPr id="1" name=""/>
+        <p:cNvGrpSpPr/>
+        <p:nvPr/>
+      </p:nvGrpSpPr>
+      <p:grpSpPr>
+        <a:xfrm>
+          <a:off x="0" y="0"/>
+          <a:ext cx="0" cy="0"/>
+          <a:chOff x="0" y="0"/>
+          <a:chExt cx="0" cy="0"/>
+        </a:xfrm>
+      </p:grpSpPr>
+      <p:sp>
+        <p:nvSpPr>
+          <p:cNvPr id="2" name="Cím 1">
+            <a:extLst>
+              <a:ext uri="{FF2B5EF4-FFF2-40B4-BE49-F238E27FC236}">
+                <a16:creationId xmlns:a16="http://schemas.microsoft.com/office/drawing/2014/main" id="{4F3CC6E2-F7FA-4984-A328-7A0C9D66AFA2}"/>
+              </a:ext>
+            </a:extLst>
+          </p:cNvPr>
+          <p:cNvSpPr>
+            <a:spLocks noGrp="1"/>
+          </p:cNvSpPr>
+          <p:nvPr>
+            <p:ph type="title"/>
+          </p:nvPr>
+        </p:nvSpPr>
+        <p:spPr/>
+        <p:txBody>
+          <a:bodyPr/>
+          <a:lstStyle/>
+          <a:p>
+            <a:r>
+              <a:rPr lang="hu-HU" dirty="0"/>
+              <a:t>Hálózati struktúra értékelése</a:t>
+            </a:r>
+          </a:p>
+        </p:txBody>
+      </p:sp>
+      <p:sp>
+        <p:nvSpPr>
+          <p:cNvPr id="3" name="Tartalom helye 2">
+            <a:extLst>
+              <a:ext uri="{FF2B5EF4-FFF2-40B4-BE49-F238E27FC236}">
+                <a16:creationId xmlns:a16="http://schemas.microsoft.com/office/drawing/2014/main" id="{2339722D-C3F5-4FE5-9395-D6FADF4D3754}"/>
+              </a:ext>
+            </a:extLst>
+          </p:cNvPr>
+          <p:cNvSpPr>
+            <a:spLocks noGrp="1"/>
+          </p:cNvSpPr>
+          <p:nvPr>
+            <p:ph idx="1"/>
+          </p:nvPr>
+        </p:nvSpPr>
+        <p:spPr/>
+        <p:txBody>
+          <a:bodyPr/>
+          <a:lstStyle/>
+          <a:p>
+            <a:r>
+              <a:rPr lang="hu-HU" dirty="0"/>
+              <a:t>A kialakított </a:t>
+            </a:r>
+            <a:r>
+              <a:rPr lang="hu-HU" b="1" dirty="0"/>
+              <a:t>három alhálózatból álló topológia</a:t>
+            </a:r>
+            <a:r>
+              <a:rPr lang="hu-HU" dirty="0"/>
+              <a:t> logikus és jól skálázható.</a:t>
+            </a:r>
+          </a:p>
+          <a:p>
+            <a:pPr>
+              <a:buFont typeface="Arial" panose="020B0604020202020204" pitchFamily="34" charset="0"/>
+              <a:buChar char="•"/>
+            </a:pPr>
+            <a:r>
+              <a:rPr lang="hu-HU" b="1" dirty="0"/>
+              <a:t>Erősségek:</a:t>
+            </a:r>
+            <a:r>
+              <a:rPr lang="hu-HU" dirty="0"/>
+              <a:t> biztonságos szegregáció, stabil működés, könnyű bővíthetőség, valós vállalati modell.</a:t>
+            </a:r>
+          </a:p>
+          <a:p>
+            <a:pPr>
+              <a:buFont typeface="Arial" panose="020B0604020202020204" pitchFamily="34" charset="0"/>
+              <a:buChar char="•"/>
+            </a:pPr>
+            <a:r>
+              <a:rPr lang="hu-HU" b="1" dirty="0"/>
+              <a:t>Fejlesztési lehetőségek:</a:t>
+            </a:r>
+            <a:r>
+              <a:rPr lang="hu-HU" dirty="0"/>
+              <a:t> központi tűzfal és VPN-rendszer bevezetése, hálózati forgalomfigyelés, IPv6 támogatás, hálózati redundancia növelése.</a:t>
+            </a:r>
+          </a:p>
+          <a:p>
+            <a:pPr marL="0" indent="0">
+              <a:buNone/>
+            </a:pPr>
+            <a:endParaRPr lang="hu-HU" dirty="0"/>
+          </a:p>
+        </p:txBody>
+      </p:sp>
+    </p:spTree>
+    <p:extLst>
+      <p:ext uri="{BB962C8B-B14F-4D97-AF65-F5344CB8AC3E}">
+        <p14:creationId xmlns:p14="http://schemas.microsoft.com/office/powerpoint/2010/main" val="2085410848"/>
+      </p:ext>
+    </p:extLst>
+  </p:cSld>
+  <p:clrMapOvr>
+    <a:masterClrMapping/>
+  </p:clrMapOvr>
+</p:sld>
+</file>
+
+<file path=ppt/slides/slide19.xml><?xml version="1.0" encoding="utf-8"?>
 <p:sld xmlns:a="http://schemas.openxmlformats.org/drawingml/2006/main" xmlns:r="http://schemas.openxmlformats.org/officeDocument/2006/relationships" xmlns:p="http://schemas.openxmlformats.org/presentationml/2006/main">
   <p:cSld>
     <p:spTree>
@@ -5359,6 +6167,125 @@
     <p:extLst>
       <p:ext uri="{BB962C8B-B14F-4D97-AF65-F5344CB8AC3E}">
         <p14:creationId xmlns:p14="http://schemas.microsoft.com/office/powerpoint/2010/main" val="2329918584"/>
+      </p:ext>
+    </p:extLst>
+  </p:cSld>
+  <p:clrMapOvr>
+    <a:masterClrMapping/>
+  </p:clrMapOvr>
+</p:sld>
+</file>
+
+<file path=ppt/slides/slide20.xml><?xml version="1.0" encoding="utf-8"?>
+<p:sld xmlns:a="http://schemas.openxmlformats.org/drawingml/2006/main" xmlns:r="http://schemas.openxmlformats.org/officeDocument/2006/relationships" xmlns:p="http://schemas.openxmlformats.org/presentationml/2006/main">
+  <p:cSld>
+    <p:spTree>
+      <p:nvGrpSpPr>
+        <p:cNvPr id="1" name=""/>
+        <p:cNvGrpSpPr/>
+        <p:nvPr/>
+      </p:nvGrpSpPr>
+      <p:grpSpPr>
+        <a:xfrm>
+          <a:off x="0" y="0"/>
+          <a:ext cx="0" cy="0"/>
+          <a:chOff x="0" y="0"/>
+          <a:chExt cx="0" cy="0"/>
+        </a:xfrm>
+      </p:grpSpPr>
+      <p:sp>
+        <p:nvSpPr>
+          <p:cNvPr id="2" name="Cím 1">
+            <a:extLst>
+              <a:ext uri="{FF2B5EF4-FFF2-40B4-BE49-F238E27FC236}">
+                <a16:creationId xmlns:a16="http://schemas.microsoft.com/office/drawing/2014/main" id="{C5D0B9CC-D720-4072-B331-96BF98316FEC}"/>
+              </a:ext>
+            </a:extLst>
+          </p:cNvPr>
+          <p:cNvSpPr>
+            <a:spLocks noGrp="1"/>
+          </p:cNvSpPr>
+          <p:nvPr>
+            <p:ph type="title"/>
+          </p:nvPr>
+        </p:nvSpPr>
+        <p:spPr>
+          <a:xfrm>
+            <a:off x="1451579" y="1253699"/>
+            <a:ext cx="9603275" cy="587136"/>
+          </a:xfrm>
+        </p:spPr>
+        <p:txBody>
+          <a:bodyPr/>
+          <a:lstStyle/>
+          <a:p>
+            <a:pPr algn="ctr"/>
+            <a:r>
+              <a:rPr lang="hu-HU" dirty="0"/>
+              <a:t>Köszönjük a figyelmet!</a:t>
+            </a:r>
+          </a:p>
+        </p:txBody>
+      </p:sp>
+      <p:sp>
+        <p:nvSpPr>
+          <p:cNvPr id="3" name="Tartalom helye 2">
+            <a:extLst>
+              <a:ext uri="{FF2B5EF4-FFF2-40B4-BE49-F238E27FC236}">
+                <a16:creationId xmlns:a16="http://schemas.microsoft.com/office/drawing/2014/main" id="{9D24AB6F-C694-45AC-BCF0-B41B8DD01EE3}"/>
+              </a:ext>
+            </a:extLst>
+          </p:cNvPr>
+          <p:cNvSpPr>
+            <a:spLocks noGrp="1"/>
+          </p:cNvSpPr>
+          <p:nvPr>
+            <p:ph idx="1"/>
+          </p:nvPr>
+        </p:nvSpPr>
+        <p:spPr/>
+        <p:txBody>
+          <a:bodyPr/>
+          <a:lstStyle/>
+          <a:p>
+            <a:endParaRPr lang="hu-HU" dirty="0"/>
+          </a:p>
+        </p:txBody>
+      </p:sp>
+      <p:pic>
+        <p:nvPicPr>
+          <p:cNvPr id="4" name="Kép 3">
+            <a:extLst>
+              <a:ext uri="{FF2B5EF4-FFF2-40B4-BE49-F238E27FC236}">
+                <a16:creationId xmlns:a16="http://schemas.microsoft.com/office/drawing/2014/main" id="{4BA5C9EF-0F64-4719-B3D1-9B828FF5FBD6}"/>
+              </a:ext>
+            </a:extLst>
+          </p:cNvPr>
+          <p:cNvPicPr>
+            <a:picLocks noChangeAspect="1"/>
+          </p:cNvPicPr>
+          <p:nvPr/>
+        </p:nvPicPr>
+        <p:blipFill>
+          <a:blip r:embed="rId2"/>
+          <a:stretch>
+            <a:fillRect/>
+          </a:stretch>
+        </p:blipFill>
+        <p:spPr>
+          <a:xfrm>
+            <a:off x="3083092" y="2015732"/>
+            <a:ext cx="6025816" cy="4017211"/>
+          </a:xfrm>
+          <a:prstGeom prst="rect">
+            <a:avLst/>
+          </a:prstGeom>
+        </p:spPr>
+      </p:pic>
+    </p:spTree>
+    <p:extLst>
+      <p:ext uri="{BB962C8B-B14F-4D97-AF65-F5344CB8AC3E}">
+        <p14:creationId xmlns:p14="http://schemas.microsoft.com/office/powerpoint/2010/main" val="2469409852"/>
       </p:ext>
     </p:extLst>
   </p:cSld>
@@ -6459,6 +7386,101 @@
           <p:cNvPr id="2" name="Cím 1">
             <a:extLst>
               <a:ext uri="{FF2B5EF4-FFF2-40B4-BE49-F238E27FC236}">
+                <a16:creationId xmlns:a16="http://schemas.microsoft.com/office/drawing/2014/main" id="{E2D3261A-8976-46DD-9BE3-1507DCB03E10}"/>
+              </a:ext>
+            </a:extLst>
+          </p:cNvPr>
+          <p:cNvSpPr>
+            <a:spLocks noGrp="1"/>
+          </p:cNvSpPr>
+          <p:nvPr>
+            <p:ph type="title"/>
+          </p:nvPr>
+        </p:nvSpPr>
+        <p:spPr>
+          <a:xfrm>
+            <a:off x="1120989" y="1168934"/>
+            <a:ext cx="9603275" cy="562887"/>
+          </a:xfrm>
+        </p:spPr>
+        <p:txBody>
+          <a:bodyPr>
+            <a:noAutofit/>
+          </a:bodyPr>
+          <a:lstStyle/>
+          <a:p>
+            <a:pPr algn="ctr"/>
+            <a:r>
+              <a:rPr lang="hu-HU" sz="3600" dirty="0"/>
+              <a:t>kép a topológiáról</a:t>
+            </a:r>
+          </a:p>
+        </p:txBody>
+      </p:sp>
+      <p:pic>
+        <p:nvPicPr>
+          <p:cNvPr id="5" name="Tartalom helye 4">
+            <a:extLst>
+              <a:ext uri="{FF2B5EF4-FFF2-40B4-BE49-F238E27FC236}">
+                <a16:creationId xmlns:a16="http://schemas.microsoft.com/office/drawing/2014/main" id="{2D9B54C4-28C3-4862-ACE4-8317B57ECB3B}"/>
+              </a:ext>
+            </a:extLst>
+          </p:cNvPr>
+          <p:cNvPicPr>
+            <a:picLocks noGrp="1" noChangeAspect="1"/>
+          </p:cNvPicPr>
+          <p:nvPr>
+            <p:ph idx="1"/>
+          </p:nvPr>
+        </p:nvPicPr>
+        <p:blipFill>
+          <a:blip r:embed="rId2"/>
+          <a:stretch>
+            <a:fillRect/>
+          </a:stretch>
+        </p:blipFill>
+        <p:spPr>
+          <a:xfrm>
+            <a:off x="2273416" y="1971413"/>
+            <a:ext cx="7298423" cy="4022856"/>
+          </a:xfrm>
+        </p:spPr>
+      </p:pic>
+    </p:spTree>
+    <p:extLst>
+      <p:ext uri="{BB962C8B-B14F-4D97-AF65-F5344CB8AC3E}">
+        <p14:creationId xmlns:p14="http://schemas.microsoft.com/office/powerpoint/2010/main" val="666937899"/>
+      </p:ext>
+    </p:extLst>
+  </p:cSld>
+  <p:clrMapOvr>
+    <a:masterClrMapping/>
+  </p:clrMapOvr>
+</p:sld>
+</file>
+
+<file path=ppt/slides/slide9.xml><?xml version="1.0" encoding="utf-8"?>
+<p:sld xmlns:a="http://schemas.openxmlformats.org/drawingml/2006/main" xmlns:r="http://schemas.openxmlformats.org/officeDocument/2006/relationships" xmlns:p="http://schemas.openxmlformats.org/presentationml/2006/main">
+  <p:cSld>
+    <p:spTree>
+      <p:nvGrpSpPr>
+        <p:cNvPr id="1" name=""/>
+        <p:cNvGrpSpPr/>
+        <p:nvPr/>
+      </p:nvGrpSpPr>
+      <p:grpSpPr>
+        <a:xfrm>
+          <a:off x="0" y="0"/>
+          <a:ext cx="0" cy="0"/>
+          <a:chOff x="0" y="0"/>
+          <a:chExt cx="0" cy="0"/>
+        </a:xfrm>
+      </p:grpSpPr>
+      <p:sp>
+        <p:nvSpPr>
+          <p:cNvPr id="2" name="Cím 1">
+            <a:extLst>
+              <a:ext uri="{FF2B5EF4-FFF2-40B4-BE49-F238E27FC236}">
                 <a16:creationId xmlns:a16="http://schemas.microsoft.com/office/drawing/2014/main" id="{D095288F-7888-4F20-A677-71D86A8FAFB6}"/>
               </a:ext>
             </a:extLst>
@@ -6733,91 +7755,12 @@
           </a:p>
         </p:txBody>
       </p:sp>
-    </p:spTree>
-    <p:extLst>
-      <p:ext uri="{BB962C8B-B14F-4D97-AF65-F5344CB8AC3E}">
-        <p14:creationId xmlns:p14="http://schemas.microsoft.com/office/powerpoint/2010/main" val="3828726127"/>
-      </p:ext>
-    </p:extLst>
-  </p:cSld>
-  <p:clrMapOvr>
-    <a:masterClrMapping/>
-  </p:clrMapOvr>
-</p:sld>
-</file>
-
-<file path=ppt/slides/slide9.xml><?xml version="1.0" encoding="utf-8"?>
-<p:sld xmlns:a="http://schemas.openxmlformats.org/drawingml/2006/main" xmlns:r="http://schemas.openxmlformats.org/officeDocument/2006/relationships" xmlns:p="http://schemas.openxmlformats.org/presentationml/2006/main">
-  <p:cSld>
-    <p:spTree>
-      <p:nvGrpSpPr>
-        <p:cNvPr id="1" name=""/>
-        <p:cNvGrpSpPr/>
-        <p:nvPr/>
-      </p:nvGrpSpPr>
-      <p:grpSpPr>
-        <a:xfrm>
-          <a:off x="0" y="0"/>
-          <a:ext cx="0" cy="0"/>
-          <a:chOff x="0" y="0"/>
-          <a:chExt cx="0" cy="0"/>
-        </a:xfrm>
-      </p:grpSpPr>
-      <p:sp>
-        <p:nvSpPr>
-          <p:cNvPr id="3" name="Tartalom helye 2">
-            <a:extLst>
-              <a:ext uri="{FF2B5EF4-FFF2-40B4-BE49-F238E27FC236}">
-                <a16:creationId xmlns:a16="http://schemas.microsoft.com/office/drawing/2014/main" id="{92E1E8CC-23FF-46EC-B6E0-7939ED8C4673}"/>
-              </a:ext>
-            </a:extLst>
-          </p:cNvPr>
-          <p:cNvSpPr>
-            <a:spLocks noGrp="1"/>
-          </p:cNvSpPr>
-          <p:nvPr>
-            <p:ph idx="1"/>
-          </p:nvPr>
-        </p:nvSpPr>
-        <p:spPr>
-          <a:xfrm>
-            <a:off x="142613" y="2687626"/>
-            <a:ext cx="8086987" cy="3293596"/>
-          </a:xfrm>
-        </p:spPr>
-        <p:txBody>
-          <a:bodyPr>
-            <a:normAutofit/>
-          </a:bodyPr>
-          <a:lstStyle/>
-          <a:p>
-            <a:r>
-              <a:rPr lang="hu-HU" sz="2400" dirty="0"/>
-              <a:t>A Technikai Osztály feladata az informatikai háttér biztosítása. </a:t>
-            </a:r>
-          </a:p>
-          <a:p>
-            <a:r>
-              <a:rPr lang="hu-HU" sz="2400" dirty="0"/>
-              <a:t>Itt találhatók a kliensgépek, valamint a belső router és </a:t>
-            </a:r>
-            <a:r>
-              <a:rPr lang="hu-HU" sz="2400" dirty="0" err="1"/>
-              <a:t>switch</a:t>
-            </a:r>
-            <a:r>
-              <a:rPr lang="hu-HU" sz="2400" dirty="0"/>
-              <a:t>, amelyek az internethez és a központi hálózathoz is kapcsolódnak.</a:t>
-            </a:r>
-          </a:p>
-        </p:txBody>
-      </p:sp>
       <p:pic>
         <p:nvPicPr>
           <p:cNvPr id="5" name="Kép 4">
             <a:extLst>
               <a:ext uri="{FF2B5EF4-FFF2-40B4-BE49-F238E27FC236}">
-                <a16:creationId xmlns:a16="http://schemas.microsoft.com/office/drawing/2014/main" id="{ADAF27E2-BC60-45DD-9A5E-10F0BC9C4EE7}"/>
+                <a16:creationId xmlns:a16="http://schemas.microsoft.com/office/drawing/2014/main" id="{EAD675A7-57A8-46FE-9AD7-B98B326A5D05}"/>
               </a:ext>
             </a:extLst>
           </p:cNvPr>
@@ -6834,7 +7777,7 @@
         </p:blipFill>
         <p:spPr>
           <a:xfrm>
-            <a:off x="8430936" y="2044750"/>
+            <a:off x="9378892" y="2189314"/>
             <a:ext cx="2583809" cy="3690116"/>
           </a:xfrm>
           <a:prstGeom prst="rect">
@@ -6845,7 +7788,7 @@
     </p:spTree>
     <p:extLst>
       <p:ext uri="{BB962C8B-B14F-4D97-AF65-F5344CB8AC3E}">
-        <p14:creationId xmlns:p14="http://schemas.microsoft.com/office/powerpoint/2010/main" val="3124775784"/>
+        <p14:creationId xmlns:p14="http://schemas.microsoft.com/office/powerpoint/2010/main" val="3828726127"/>
       </p:ext>
     </p:extLst>
   </p:cSld>
